--- a/docs/MOO.pptx
+++ b/docs/MOO.pptx
@@ -266,7 +266,7 @@
           <a:p>
             <a:fld id="{85C6D1C9-5012-44FC-ACDF-879AC08A1323}" type="datetimeFigureOut">
               <a:rPr lang="en-US" smtClean="0"/>
-              <a:t>6/17/2021</a:t>
+              <a:t>6/22/2021</a:t>
             </a:fld>
             <a:endParaRPr lang="en-US"/>
           </a:p>
@@ -466,7 +466,7 @@
           <a:p>
             <a:fld id="{85C6D1C9-5012-44FC-ACDF-879AC08A1323}" type="datetimeFigureOut">
               <a:rPr lang="en-US" smtClean="0"/>
-              <a:t>6/17/2021</a:t>
+              <a:t>6/22/2021</a:t>
             </a:fld>
             <a:endParaRPr lang="en-US"/>
           </a:p>
@@ -676,7 +676,7 @@
           <a:p>
             <a:fld id="{85C6D1C9-5012-44FC-ACDF-879AC08A1323}" type="datetimeFigureOut">
               <a:rPr lang="en-US" smtClean="0"/>
-              <a:t>6/17/2021</a:t>
+              <a:t>6/22/2021</a:t>
             </a:fld>
             <a:endParaRPr lang="en-US"/>
           </a:p>
@@ -876,7 +876,7 @@
           <a:p>
             <a:fld id="{85C6D1C9-5012-44FC-ACDF-879AC08A1323}" type="datetimeFigureOut">
               <a:rPr lang="en-US" smtClean="0"/>
-              <a:t>6/17/2021</a:t>
+              <a:t>6/22/2021</a:t>
             </a:fld>
             <a:endParaRPr lang="en-US"/>
           </a:p>
@@ -1152,7 +1152,7 @@
           <a:p>
             <a:fld id="{85C6D1C9-5012-44FC-ACDF-879AC08A1323}" type="datetimeFigureOut">
               <a:rPr lang="en-US" smtClean="0"/>
-              <a:t>6/17/2021</a:t>
+              <a:t>6/22/2021</a:t>
             </a:fld>
             <a:endParaRPr lang="en-US"/>
           </a:p>
@@ -1420,7 +1420,7 @@
           <a:p>
             <a:fld id="{85C6D1C9-5012-44FC-ACDF-879AC08A1323}" type="datetimeFigureOut">
               <a:rPr lang="en-US" smtClean="0"/>
-              <a:t>6/17/2021</a:t>
+              <a:t>6/22/2021</a:t>
             </a:fld>
             <a:endParaRPr lang="en-US"/>
           </a:p>
@@ -1835,7 +1835,7 @@
           <a:p>
             <a:fld id="{85C6D1C9-5012-44FC-ACDF-879AC08A1323}" type="datetimeFigureOut">
               <a:rPr lang="en-US" smtClean="0"/>
-              <a:t>6/17/2021</a:t>
+              <a:t>6/22/2021</a:t>
             </a:fld>
             <a:endParaRPr lang="en-US"/>
           </a:p>
@@ -1977,7 +1977,7 @@
           <a:p>
             <a:fld id="{85C6D1C9-5012-44FC-ACDF-879AC08A1323}" type="datetimeFigureOut">
               <a:rPr lang="en-US" smtClean="0"/>
-              <a:t>6/17/2021</a:t>
+              <a:t>6/22/2021</a:t>
             </a:fld>
             <a:endParaRPr lang="en-US"/>
           </a:p>
@@ -2090,7 +2090,7 @@
           <a:p>
             <a:fld id="{85C6D1C9-5012-44FC-ACDF-879AC08A1323}" type="datetimeFigureOut">
               <a:rPr lang="en-US" smtClean="0"/>
-              <a:t>6/17/2021</a:t>
+              <a:t>6/22/2021</a:t>
             </a:fld>
             <a:endParaRPr lang="en-US"/>
           </a:p>
@@ -2403,7 +2403,7 @@
           <a:p>
             <a:fld id="{85C6D1C9-5012-44FC-ACDF-879AC08A1323}" type="datetimeFigureOut">
               <a:rPr lang="en-US" smtClean="0"/>
-              <a:t>6/17/2021</a:t>
+              <a:t>6/22/2021</a:t>
             </a:fld>
             <a:endParaRPr lang="en-US"/>
           </a:p>
@@ -2692,7 +2692,7 @@
           <a:p>
             <a:fld id="{85C6D1C9-5012-44FC-ACDF-879AC08A1323}" type="datetimeFigureOut">
               <a:rPr lang="en-US" smtClean="0"/>
-              <a:t>6/17/2021</a:t>
+              <a:t>6/22/2021</a:t>
             </a:fld>
             <a:endParaRPr lang="en-US"/>
           </a:p>
@@ -2935,7 +2935,7 @@
           <a:p>
             <a:fld id="{85C6D1C9-5012-44FC-ACDF-879AC08A1323}" type="datetimeFigureOut">
               <a:rPr lang="en-US" smtClean="0"/>
-              <a:t>6/17/2021</a:t>
+              <a:t>6/22/2021</a:t>
             </a:fld>
             <a:endParaRPr lang="en-US"/>
           </a:p>
@@ -4390,8 +4390,8 @@
           </a:p>
         </p:txBody>
       </p:sp>
-      <mc:AlternateContent xmlns:mc="http://schemas.openxmlformats.org/markup-compatibility/2006" xmlns:a14="http://schemas.microsoft.com/office/drawing/2010/main">
-        <mc:Choice Requires="a14">
+      <mc:AlternateContent xmlns:mc="http://schemas.openxmlformats.org/markup-compatibility/2006">
+        <mc:Choice xmlns:a14="http://schemas.microsoft.com/office/drawing/2010/main" Requires="a14">
           <p:sp>
             <p:nvSpPr>
               <p:cNvPr id="4" name="Espace réservé du contenu 3">
@@ -4410,8 +4410,8 @@
             </p:nvSpPr>
             <p:spPr>
               <a:xfrm>
-                <a:off x="287689" y="1566509"/>
-                <a:ext cx="7611534" cy="4823002"/>
+                <a:off x="287689" y="1566508"/>
+                <a:ext cx="7611534" cy="4935891"/>
               </a:xfrm>
             </p:spPr>
             <p:txBody>
@@ -4809,7 +4809,13 @@
                       <a:rPr lang="fr-FR" sz="1600" b="0" i="1" smtClean="0">
                         <a:latin typeface="Cambria Math" panose="02040503050406030204" pitchFamily="18" charset="0"/>
                       </a:rPr>
-                      <m:t>+ </m:t>
+                      <m:t>−</m:t>
+                    </m:r>
+                    <m:r>
+                      <a:rPr lang="fr-FR" sz="1600" b="0" i="1" smtClean="0">
+                        <a:latin typeface="Cambria Math" panose="02040503050406030204" pitchFamily="18" charset="0"/>
+                      </a:rPr>
+                      <m:t> </m:t>
                     </m:r>
                     <m:r>
                       <a:rPr lang="fr-FR" sz="1600" b="0" i="1" smtClean="0">
@@ -4864,7 +4870,7 @@
                       <a:rPr lang="fr-FR" sz="1600" b="0" i="1" smtClean="0">
                         <a:latin typeface="Cambria Math" panose="02040503050406030204" pitchFamily="18" charset="0"/>
                       </a:rPr>
-                      <m:t> −</m:t>
+                      <m:t>+</m:t>
                     </m:r>
                     <m:r>
                       <a:rPr lang="fr-FR" sz="1600" b="0" i="1" smtClean="0">
@@ -4897,6 +4903,68 @@
                 <a:endParaRPr lang="fr-FR" sz="1600" dirty="0"/>
               </a:p>
               <a:p>
+                <a:pPr lvl="2"/>
+                <a:r>
+                  <a:rPr lang="el-GR" sz="1600" dirty="0"/>
+                  <a:t>δ</a:t>
+                </a:r>
+                <a:r>
+                  <a:rPr lang="fr-FR" sz="1600" dirty="0"/>
+                  <a:t> </a:t>
+                </a:r>
+                <a:r>
+                  <a:rPr lang="fr-FR" sz="1600" dirty="0" err="1"/>
+                  <a:t>very</a:t>
+                </a:r>
+                <a:r>
+                  <a:rPr lang="fr-FR" sz="1600" dirty="0"/>
+                  <a:t> </a:t>
+                </a:r>
+                <a:r>
+                  <a:rPr lang="fr-FR" sz="1600" dirty="0" err="1"/>
+                  <a:t>small</a:t>
+                </a:r>
+                <a:r>
+                  <a:rPr lang="fr-FR" sz="1600" dirty="0"/>
+                  <a:t>, </a:t>
+                </a:r>
+                <a:r>
+                  <a:rPr lang="fr-FR" sz="1600" dirty="0">
+                    <a:latin typeface="Cambria Math" panose="02040503050406030204" pitchFamily="18" charset="0"/>
+                    <a:ea typeface="Cambria Math" panose="02040503050406030204" pitchFamily="18" charset="0"/>
+                  </a:rPr>
+                  <a:t>s</a:t>
+                </a:r>
+                <a:r>
+                  <a:rPr lang="fr-FR" sz="1600" dirty="0"/>
+                  <a:t> new </a:t>
+                </a:r>
+                <a:r>
+                  <a:rPr lang="fr-FR" sz="1600"/>
+                  <a:t>variable ≥0</a:t>
+                </a:r>
+                <a:r>
+                  <a:rPr lang="fr-FR" sz="1600" dirty="0"/>
+                  <a:t>, </a:t>
+                </a:r>
+                <a:r>
+                  <a:rPr lang="fr-FR" sz="1600" dirty="0">
+                    <a:latin typeface="Cambria Math" panose="02040503050406030204" pitchFamily="18" charset="0"/>
+                    <a:ea typeface="Cambria Math" panose="02040503050406030204" pitchFamily="18" charset="0"/>
+                  </a:rPr>
+                  <a:t>e</a:t>
+                </a:r>
+                <a:r>
+                  <a:rPr lang="fr-FR" sz="1600" dirty="0"/>
+                  <a:t> value of the </a:t>
+                </a:r>
+                <a:r>
+                  <a:rPr lang="fr-FR" sz="1600" dirty="0" err="1"/>
+                  <a:t>list</a:t>
+                </a:r>
+                <a:endParaRPr lang="fr-FR" sz="1600" dirty="0"/>
+              </a:p>
+              <a:p>
                 <a:pPr lvl="1"/>
                 <a:endParaRPr lang="fr-FR" sz="2000" dirty="0"/>
               </a:p>
@@ -4938,7 +5006,7 @@
             </p:txBody>
           </p:sp>
         </mc:Choice>
-        <mc:Fallback xmlns="">
+        <mc:Fallback>
           <p:sp>
             <p:nvSpPr>
               <p:cNvPr id="4" name="Espace réservé du contenu 3">
@@ -4957,13 +5025,13 @@
             </p:nvSpPr>
             <p:spPr>
               <a:xfrm>
-                <a:off x="287689" y="1566509"/>
-                <a:ext cx="7611534" cy="4823002"/>
+                <a:off x="287689" y="1566508"/>
+                <a:ext cx="7611534" cy="4935891"/>
               </a:xfrm>
               <a:blipFill>
                 <a:blip r:embed="rId2"/>
                 <a:stretch>
-                  <a:fillRect l="-1041" t="-1770" r="-80"/>
+                  <a:fillRect l="-1041" t="-1728" r="-80"/>
                 </a:stretch>
               </a:blipFill>
             </p:spPr>
